--- a/emsoft24.pptx
+++ b/emsoft24.pptx
@@ -221,7 +221,7 @@
           <a:p>
             <a:fld id="{0F9B84EA-7D68-4D60-9CB1-D50884785D1C}" type="datetimeFigureOut">
               <a:rPr lang="zh-CN" altLang="en-US" smtClean="0"/>
-              <a:t>2024/4/2</a:t>
+              <a:t>2024/5/1</a:t>
             </a:fld>
             <a:endParaRPr lang="zh-CN" altLang="en-US"/>
           </a:p>
@@ -386,7 +386,7 @@
           <a:p>
             <a:fld id="{D6C8D182-E4C8-4120-9249-FC9774456FFA}" type="datetimeFigureOut">
               <a:rPr lang="zh-CN" altLang="en-US" smtClean="0"/>
-              <a:t>2024/4/2</a:t>
+              <a:t>2024/5/1</a:t>
             </a:fld>
             <a:endParaRPr lang="zh-CN" altLang="en-US"/>
           </a:p>
@@ -733,7 +733,7 @@
           <a:p>
             <a:fld id="{760FBDFE-C587-4B4C-A407-44438C67B59E}" type="datetimeFigureOut">
               <a:rPr lang="zh-CN" altLang="en-US" smtClean="0"/>
-              <a:t>2024/4/2</a:t>
+              <a:t>2024/5/1</a:t>
             </a:fld>
             <a:endParaRPr lang="zh-CN" altLang="en-US"/>
           </a:p>
@@ -899,7 +899,7 @@
           <a:p>
             <a:fld id="{760FBDFE-C587-4B4C-A407-44438C67B59E}" type="datetimeFigureOut">
               <a:rPr lang="zh-CN" altLang="en-US" smtClean="0"/>
-              <a:t>2024/4/2</a:t>
+              <a:t>2024/5/1</a:t>
             </a:fld>
             <a:endParaRPr lang="zh-CN" altLang="en-US"/>
           </a:p>
@@ -1199,7 +1199,7 @@
           <a:p>
             <a:fld id="{760FBDFE-C587-4B4C-A407-44438C67B59E}" type="datetimeFigureOut">
               <a:rPr lang="zh-CN" altLang="en-US" smtClean="0"/>
-              <a:t>2024/4/2</a:t>
+              <a:t>2024/5/1</a:t>
             </a:fld>
             <a:endParaRPr lang="zh-CN" altLang="en-US"/>
           </a:p>
@@ -1451,7 +1451,7 @@
           <a:p>
             <a:fld id="{760FBDFE-C587-4B4C-A407-44438C67B59E}" type="datetimeFigureOut">
               <a:rPr lang="zh-CN" altLang="en-US" smtClean="0"/>
-              <a:t>2024/4/2</a:t>
+              <a:t>2024/5/1</a:t>
             </a:fld>
             <a:endParaRPr lang="zh-CN" altLang="en-US"/>
           </a:p>
@@ -1834,7 +1834,7 @@
           <a:p>
             <a:fld id="{760FBDFE-C587-4B4C-A407-44438C67B59E}" type="datetimeFigureOut">
               <a:rPr lang="zh-CN" altLang="en-US" smtClean="0"/>
-              <a:t>2024/4/2</a:t>
+              <a:t>2024/5/1</a:t>
             </a:fld>
             <a:endParaRPr lang="zh-CN" altLang="en-US"/>
           </a:p>
@@ -2201,7 +2201,7 @@
           <a:p>
             <a:fld id="{760FBDFE-C587-4B4C-A407-44438C67B59E}" type="datetimeFigureOut">
               <a:rPr lang="zh-CN" altLang="en-US" smtClean="0"/>
-              <a:t>2024/4/2</a:t>
+              <a:t>2024/5/1</a:t>
             </a:fld>
             <a:endParaRPr lang="zh-CN" altLang="en-US"/>
           </a:p>
@@ -2332,7 +2332,7 @@
           <a:p>
             <a:fld id="{760FBDFE-C587-4B4C-A407-44438C67B59E}" type="datetimeFigureOut">
               <a:rPr lang="zh-CN" altLang="en-US" smtClean="0"/>
-              <a:t>2024/4/2</a:t>
+              <a:t>2024/5/1</a:t>
             </a:fld>
             <a:endParaRPr lang="zh-CN" altLang="en-US"/>
           </a:p>
@@ -2422,7 +2422,7 @@
           <a:p>
             <a:fld id="{760FBDFE-C587-4B4C-A407-44438C67B59E}" type="datetimeFigureOut">
               <a:rPr lang="zh-CN" altLang="en-US" smtClean="0"/>
-              <a:t>2024/4/2</a:t>
+              <a:t>2024/5/1</a:t>
             </a:fld>
             <a:endParaRPr lang="zh-CN" altLang="en-US"/>
           </a:p>
@@ -2686,7 +2686,7 @@
           <a:p>
             <a:fld id="{9EFD9D74-47D9-4702-A33C-335B63B48DBF}" type="datetimeFigureOut">
               <a:rPr lang="zh-CN" altLang="en-US" smtClean="0"/>
-              <a:t>2024/4/2</a:t>
+              <a:t>2024/5/1</a:t>
             </a:fld>
             <a:endParaRPr lang="zh-CN" altLang="en-US" dirty="0"/>
           </a:p>
@@ -2897,7 +2897,7 @@
           <a:p>
             <a:fld id="{760FBDFE-C587-4B4C-A407-44438C67B59E}" type="datetimeFigureOut">
               <a:rPr lang="zh-CN" altLang="en-US" smtClean="0"/>
-              <a:t>2024/4/2</a:t>
+              <a:t>2024/5/1</a:t>
             </a:fld>
             <a:endParaRPr lang="zh-CN" altLang="en-US"/>
           </a:p>
@@ -3110,7 +3110,7 @@
           <a:p>
             <a:fld id="{760FBDFE-C587-4B4C-A407-44438C67B59E}" type="datetimeFigureOut">
               <a:rPr lang="zh-CN" altLang="en-US" smtClean="0"/>
-              <a:t>2024/4/2</a:t>
+              <a:t>2024/5/1</a:t>
             </a:fld>
             <a:endParaRPr lang="zh-CN" altLang="en-US"/>
           </a:p>
@@ -20216,9 +20216,9 @@
         <p:grpSpPr>
           <a:xfrm>
             <a:off x="1193800" y="1336040"/>
-            <a:ext cx="7841615" cy="3355975"/>
+            <a:ext cx="7841615" cy="3294380"/>
             <a:chOff x="1880" y="2104"/>
-            <a:chExt cx="12349" cy="5285"/>
+            <a:chExt cx="12349" cy="5188"/>
           </a:xfrm>
         </p:grpSpPr>
         <p:grpSp>
@@ -20230,9 +20230,9 @@
           <p:grpSpPr>
             <a:xfrm>
               <a:off x="1880" y="2104"/>
-              <a:ext cx="12349" cy="5285"/>
+              <a:ext cx="12349" cy="5188"/>
               <a:chOff x="1880" y="2104"/>
-              <a:chExt cx="12349" cy="5285"/>
+              <a:chExt cx="12349" cy="5188"/>
             </a:xfrm>
           </p:grpSpPr>
           <p:grpSp>
@@ -20244,9 +20244,9 @@
             <p:grpSpPr>
               <a:xfrm>
                 <a:off x="1880" y="2783"/>
-                <a:ext cx="12349" cy="4606"/>
+                <a:ext cx="12349" cy="4509"/>
                 <a:chOff x="1880" y="2783"/>
-                <a:chExt cx="12349" cy="4606"/>
+                <a:chExt cx="12349" cy="4509"/>
               </a:xfrm>
             </p:grpSpPr>
             <p:grpSp>
@@ -20308,7 +20308,7 @@
                   <a:p>
                     <a:pPr algn="ctr"/>
                     <a:r>
-                      <a:rPr lang="en-US" altLang="en-US" sz="2400" b="1" dirty="0">
+                      <a:rPr lang="en-US" altLang="en-US" sz="2000" b="1" dirty="0">
                         <a:solidFill>
                           <a:schemeClr val="tx1"/>
                         </a:solidFill>
@@ -20360,7 +20360,7 @@
                   <a:lstStyle/>
                   <a:p>
                     <a:pPr algn="ctr"/>
-                    <a:endParaRPr lang="en-US" dirty="0"/>
+                    <a:endParaRPr lang="en-US" sz="1600" dirty="0"/>
                   </a:p>
                 </p:txBody>
               </p:sp>
@@ -20406,7 +20406,7 @@
                   <a:lstStyle/>
                   <a:p>
                     <a:pPr algn="ctr"/>
-                    <a:endParaRPr lang="en-US" altLang="en-US" b="1" dirty="0">
+                    <a:endParaRPr lang="en-US" altLang="en-US" sz="1600" b="1" dirty="0">
                       <a:solidFill>
                         <a:schemeClr val="tx1"/>
                       </a:solidFill>
@@ -20457,7 +20457,7 @@
                   <a:p>
                     <a:pPr algn="ctr"/>
                     <a:r>
-                      <a:rPr lang="en-US" altLang="en-US" sz="2000">
+                      <a:rPr lang="en-US" altLang="en-US">
                         <a:solidFill>
                           <a:schemeClr val="tx1"/>
                         </a:solidFill>
@@ -20510,7 +20510,7 @@
                   <a:p>
                     <a:pPr algn="ctr"/>
                     <a:r>
-                      <a:rPr lang="en-US" altLang="en-US" sz="2000" b="1" dirty="0">
+                      <a:rPr lang="en-US" altLang="en-US" b="1" dirty="0">
                         <a:solidFill>
                           <a:schemeClr val="tx1"/>
                         </a:solidFill>
@@ -20563,7 +20563,7 @@
                   <a:p>
                     <a:pPr algn="ctr"/>
                     <a:r>
-                      <a:rPr lang="en-US" altLang="en-US" sz="2000" b="1" dirty="0">
+                      <a:rPr lang="en-US" altLang="en-US" b="1" dirty="0">
                         <a:solidFill>
                           <a:schemeClr val="tx1"/>
                         </a:solidFill>
@@ -20687,7 +20687,7 @@
                   <a:p>
                     <a:pPr algn="ctr"/>
                     <a:r>
-                      <a:rPr lang="en-US" altLang="en-US" sz="2000">
+                      <a:rPr lang="en-US" altLang="en-US">
                         <a:solidFill>
                           <a:schemeClr val="tx1"/>
                         </a:solidFill>
@@ -20893,7 +20893,7 @@
                       <a:buSzTx/>
                       <a:buFontTx/>
                     </a:pPr>
-                    <a:endParaRPr lang="en-US">
+                    <a:endParaRPr lang="en-US" sz="1600">
                       <a:sym typeface="+mn-ea"/>
                     </a:endParaRPr>
                   </a:p>
@@ -20946,7 +20946,7 @@
                       <a:buSzTx/>
                       <a:buFontTx/>
                     </a:pPr>
-                    <a:endParaRPr lang="en-US">
+                    <a:endParaRPr lang="en-US" sz="1600">
                       <a:sym typeface="+mn-ea"/>
                     </a:endParaRPr>
                   </a:p>
@@ -21149,7 +21149,7 @@
                       <a:buSzTx/>
                       <a:buFontTx/>
                     </a:pPr>
-                    <a:endParaRPr lang="en-US">
+                    <a:endParaRPr lang="en-US" sz="1600">
                       <a:sym typeface="+mn-ea"/>
                     </a:endParaRPr>
                   </a:p>
@@ -21273,7 +21273,7 @@
                       <a:buSzTx/>
                       <a:buFontTx/>
                     </a:pPr>
-                    <a:endParaRPr lang="en-US">
+                    <a:endParaRPr lang="en-US" sz="1600">
                       <a:sym typeface="+mn-ea"/>
                     </a:endParaRPr>
                   </a:p>
@@ -21326,7 +21326,7 @@
                       <a:buSzTx/>
                       <a:buFontTx/>
                     </a:pPr>
-                    <a:endParaRPr lang="en-US">
+                    <a:endParaRPr lang="en-US" sz="1600">
                       <a:sym typeface="+mn-ea"/>
                     </a:endParaRPr>
                   </a:p>
@@ -21463,7 +21463,7 @@
                       <a:buSzTx/>
                       <a:buFontTx/>
                     </a:pPr>
-                    <a:endParaRPr lang="en-US">
+                    <a:endParaRPr lang="en-US" sz="1600">
                       <a:sym typeface="+mn-ea"/>
                     </a:endParaRPr>
                   </a:p>
@@ -21521,7 +21521,7 @@
                       <a:buSzTx/>
                       <a:buFontTx/>
                     </a:pPr>
-                    <a:endParaRPr lang="en-US">
+                    <a:endParaRPr lang="en-US" sz="1600">
                       <a:sym typeface="+mn-ea"/>
                     </a:endParaRPr>
                   </a:p>
@@ -21579,7 +21579,7 @@
                       <a:buSzTx/>
                       <a:buFontTx/>
                     </a:pPr>
-                    <a:endParaRPr lang="en-US">
+                    <a:endParaRPr lang="en-US" sz="1600">
                       <a:sym typeface="+mn-ea"/>
                     </a:endParaRPr>
                   </a:p>
@@ -21676,7 +21676,7 @@
                       <a:buSzTx/>
                       <a:buFontTx/>
                     </a:pPr>
-                    <a:endParaRPr lang="en-US">
+                    <a:endParaRPr lang="en-US" sz="1600">
                       <a:sym typeface="+mn-ea"/>
                     </a:endParaRPr>
                   </a:p>
@@ -21807,7 +21807,7 @@
                   <a:lstStyle/>
                   <a:p>
                     <a:pPr algn="ctr"/>
-                    <a:endParaRPr lang="en-US"/>
+                    <a:endParaRPr lang="en-US" sz="1600"/>
                   </a:p>
                 </p:txBody>
               </p:sp>
@@ -21858,7 +21858,7 @@
                       <a:buSzTx/>
                       <a:buFontTx/>
                     </a:pPr>
-                    <a:endParaRPr lang="en-US">
+                    <a:endParaRPr lang="en-US" sz="1600">
                       <a:sym typeface="+mn-ea"/>
                     </a:endParaRPr>
                   </a:p>
@@ -21911,7 +21911,7 @@
                       <a:buSzTx/>
                       <a:buFontTx/>
                     </a:pPr>
-                    <a:endParaRPr lang="en-US">
+                    <a:endParaRPr lang="en-US" sz="1600">
                       <a:sym typeface="+mn-ea"/>
                     </a:endParaRPr>
                   </a:p>
@@ -21964,7 +21964,7 @@
                       <a:buSzTx/>
                       <a:buFontTx/>
                     </a:pPr>
-                    <a:endParaRPr lang="en-US">
+                    <a:endParaRPr lang="en-US" sz="1600">
                       <a:sym typeface="+mn-ea"/>
                     </a:endParaRPr>
                   </a:p>
@@ -22017,7 +22017,7 @@
                       <a:buSzTx/>
                       <a:buFontTx/>
                     </a:pPr>
-                    <a:endParaRPr lang="en-US">
+                    <a:endParaRPr lang="en-US" sz="1600">
                       <a:sym typeface="+mn-ea"/>
                     </a:endParaRPr>
                   </a:p>
@@ -22070,7 +22070,7 @@
                       <a:buSzTx/>
                       <a:buFontTx/>
                     </a:pPr>
-                    <a:endParaRPr lang="en-US">
+                    <a:endParaRPr lang="en-US" sz="1600">
                       <a:sym typeface="+mn-ea"/>
                     </a:endParaRPr>
                   </a:p>
@@ -22085,7 +22085,7 @@
                 <p:spPr>
                   <a:xfrm>
                     <a:off x="10871" y="2675"/>
-                    <a:ext cx="3470" cy="580"/>
+                    <a:ext cx="3470" cy="533"/>
                   </a:xfrm>
                   <a:prstGeom prst="rect">
                     <a:avLst/>
@@ -22100,7 +22100,7 @@
                   <a:p>
                     <a:pPr algn="ctr"/>
                     <a:r>
-                      <a:rPr lang="en-US" altLang="en-US" b="1" dirty="0"/>
+                      <a:rPr lang="en-US" altLang="en-US" sz="1600" b="1" dirty="0"/>
                       <a:t>Control Unit (CU)</a:t>
                     </a:r>
                   </a:p>
@@ -22115,7 +22115,7 @@
                 <p:spPr>
                   <a:xfrm>
                     <a:off x="11006" y="3253"/>
-                    <a:ext cx="5817" cy="582"/>
+                    <a:ext cx="5817" cy="533"/>
                   </a:xfrm>
                   <a:prstGeom prst="rect">
                     <a:avLst/>
@@ -22129,70 +22129,70 @@
                   <a:lstStyle/>
                   <a:p>
                     <a:r>
-                      <a:rPr lang="en-US" altLang="en-US" b="1" dirty="0"/>
+                      <a:rPr lang="en-US" altLang="en-US" sz="1600" b="1" dirty="0"/>
                       <a:t>1</a:t>
+                    </a:r>
+                    <a:r>
+                      <a:rPr lang="en-US" altLang="en-US" sz="1000" b="1" dirty="0"/>
+                      <a:t>hi</a:t>
+                    </a:r>
+                    <a:r>
+                      <a:rPr lang="en-US" altLang="en-US" sz="1600" b="1" dirty="0"/>
+                      <a:t>      </a:t>
+                    </a:r>
+                    <a:r>
+                      <a:rPr lang="en-US" altLang="en-US" sz="1600" b="1" dirty="0" err="1"/>
+                      <a:t>1</a:t>
+                    </a:r>
+                    <a:r>
+                      <a:rPr lang="en-US" altLang="en-US" sz="1050" b="1" dirty="0" err="1"/>
+                      <a:t>hi</a:t>
+                    </a:r>
+                    <a:r>
+                      <a:rPr lang="en-US" altLang="en-US" sz="1600" b="1" dirty="0"/>
+                      <a:t>     0</a:t>
                     </a:r>
                     <a:r>
                       <a:rPr lang="en-US" altLang="en-US" sz="1050" b="1" dirty="0"/>
                       <a:t>hi</a:t>
                     </a:r>
                     <a:r>
-                      <a:rPr lang="en-US" altLang="en-US" b="1" dirty="0"/>
-                      <a:t>      </a:t>
+                      <a:rPr lang="en-US" altLang="en-US" sz="1600" b="1" dirty="0"/>
+                      <a:t>     </a:t>
                     </a:r>
                     <a:r>
-                      <a:rPr lang="en-US" altLang="en-US" b="1" dirty="0" err="1"/>
-                      <a:t>1</a:t>
+                      <a:rPr lang="en-US" altLang="en-US" sz="1600" b="1" dirty="0" err="1"/>
+                      <a:t>0</a:t>
                     </a:r>
                     <a:r>
-                      <a:rPr lang="en-US" altLang="en-US" sz="1100" b="1" dirty="0" err="1"/>
+                      <a:rPr lang="en-US" altLang="en-US" sz="1050" b="1" dirty="0" err="1"/>
                       <a:t>hi</a:t>
                     </a:r>
                     <a:r>
-                      <a:rPr lang="en-US" altLang="en-US" b="1" dirty="0"/>
-                      <a:t>     0</a:t>
+                      <a:rPr lang="en-US" altLang="en-US" sz="1600" b="1" dirty="0"/>
+                      <a:t>     1</a:t>
                     </a:r>
                     <a:r>
-                      <a:rPr lang="en-US" altLang="en-US" sz="1100" b="1" dirty="0"/>
-                      <a:t>hi</a:t>
+                      <a:rPr lang="en-US" altLang="en-US" sz="1050" b="1" dirty="0"/>
+                      <a:t>hj</a:t>
                     </a:r>
                     <a:r>
-                      <a:rPr lang="en-US" altLang="en-US" b="1" dirty="0"/>
-                      <a:t>     </a:t>
+                      <a:rPr lang="en-US" altLang="en-US" sz="1600" b="1" dirty="0"/>
+                      <a:t>   0</a:t>
                     </a:r>
                     <a:r>
-                      <a:rPr lang="en-US" altLang="en-US" b="1" dirty="0" err="1"/>
-                      <a:t>0</a:t>
+                      <a:rPr lang="en-US" altLang="en-US" sz="1050" b="1" dirty="0"/>
+                      <a:t>hj</a:t>
                     </a:r>
                     <a:r>
-                      <a:rPr lang="en-US" altLang="en-US" sz="1100" b="1" dirty="0" err="1"/>
-                      <a:t>hi</a:t>
-                    </a:r>
-                    <a:r>
-                      <a:rPr lang="en-US" altLang="en-US" b="1" dirty="0"/>
-                      <a:t>     1</a:t>
+                      <a:rPr lang="en-US" altLang="en-US" sz="1600" b="1" dirty="0"/>
+                      <a:t> 1</a:t>
                     </a:r>
                     <a:r>
                       <a:rPr lang="en-US" altLang="en-US" sz="1100" b="1" dirty="0"/>
                       <a:t>hj</a:t>
                     </a:r>
-                    <a:r>
-                      <a:rPr lang="en-US" altLang="en-US" b="1" dirty="0"/>
-                      <a:t>   0</a:t>
-                    </a:r>
-                    <a:r>
-                      <a:rPr lang="en-US" altLang="en-US" sz="1100" b="1" dirty="0"/>
-                      <a:t>hj</a:t>
-                    </a:r>
-                    <a:r>
-                      <a:rPr lang="en-US" altLang="en-US" b="1" dirty="0"/>
-                      <a:t> 1</a:t>
-                    </a:r>
-                    <a:r>
-                      <a:rPr lang="en-US" altLang="en-US" sz="1200" b="1" dirty="0"/>
-                      <a:t>hj</a:t>
-                    </a:r>
-                    <a:endParaRPr lang="en-US" altLang="en-US" b="1" dirty="0"/>
+                    <a:endParaRPr lang="en-US" altLang="en-US" sz="1600" b="1" dirty="0"/>
                   </a:p>
                 </p:txBody>
               </p:sp>
@@ -22205,7 +22205,7 @@
                 <p:spPr>
                   <a:xfrm>
                     <a:off x="7900" y="2709"/>
-                    <a:ext cx="2074" cy="1503"/>
+                    <a:ext cx="2074" cy="1309"/>
                   </a:xfrm>
                   <a:prstGeom prst="rect">
                     <a:avLst/>
@@ -22220,7 +22220,7 @@
                   <a:p>
                     <a:pPr algn="ctr"/>
                     <a:r>
-                      <a:rPr lang="en-US" altLang="en-US" sz="2800" i="1" dirty="0"/>
+                      <a:rPr lang="en-US" altLang="en-US" sz="2400" i="1" dirty="0"/>
                       <a:t>sensor data</a:t>
                     </a:r>
                   </a:p>
@@ -22235,7 +22235,7 @@
                 <p:spPr>
                   <a:xfrm>
                     <a:off x="12714" y="4302"/>
-                    <a:ext cx="4017" cy="824"/>
+                    <a:ext cx="4017" cy="727"/>
                   </a:xfrm>
                   <a:prstGeom prst="rect">
                     <a:avLst/>
@@ -22250,7 +22250,7 @@
                   <a:p>
                     <a:pPr algn="ctr"/>
                     <a:r>
-                      <a:rPr lang="en-US" altLang="en-US" sz="2800" i="1" dirty="0"/>
+                      <a:rPr lang="en-US" altLang="en-US" sz="2400" i="1" dirty="0"/>
                       <a:t>actuator data</a:t>
                     </a:r>
                   </a:p>
@@ -22265,7 +22265,7 @@
                 <p:spPr>
                   <a:xfrm>
                     <a:off x="5136" y="5097"/>
-                    <a:ext cx="1280" cy="580"/>
+                    <a:ext cx="1280" cy="533"/>
                   </a:xfrm>
                   <a:prstGeom prst="rect">
                     <a:avLst/>
@@ -22280,7 +22280,7 @@
                   <a:p>
                     <a:pPr algn="ctr"/>
                     <a:r>
-                      <a:rPr lang="en-US" altLang="en-US" b="1" dirty="0"/>
+                      <a:rPr lang="en-US" altLang="en-US" sz="1600" b="1" dirty="0"/>
                       <a:t>Bus</a:t>
                     </a:r>
                   </a:p>
@@ -22295,7 +22295,7 @@
                 <p:spPr>
                   <a:xfrm>
                     <a:off x="14559" y="2724"/>
-                    <a:ext cx="2244" cy="531"/>
+                    <a:ext cx="2244" cy="485"/>
                   </a:xfrm>
                   <a:prstGeom prst="rect">
                     <a:avLst/>
@@ -22310,7 +22310,7 @@
                   <a:p>
                     <a:pPr algn="ctr"/>
                     <a:r>
-                      <a:rPr lang="en-US" altLang="en-US" sz="1600" i="1" dirty="0"/>
+                      <a:rPr lang="en-US" altLang="en-US" sz="1400" i="1" dirty="0"/>
                       <a:t>Control Task</a:t>
                     </a:r>
                   </a:p>
@@ -22326,7 +22326,7 @@
               <p:spPr>
                 <a:xfrm>
                   <a:off x="8147" y="5979"/>
-                  <a:ext cx="6043" cy="485"/>
+                  <a:ext cx="6043" cy="436"/>
                 </a:xfrm>
                 <a:prstGeom prst="rect">
                   <a:avLst/>
@@ -22341,83 +22341,83 @@
                 <a:p>
                   <a:pPr algn="l"/>
                   <a:r>
-                    <a:rPr lang="en-US" altLang="en-US" sz="1400" b="1" dirty="0"/>
+                    <a:rPr lang="en-US" altLang="en-US" sz="1200" b="1" dirty="0"/>
                     <a:t>u</a:t>
                   </a:r>
                   <a:r>
-                    <a:rPr lang="en-US" altLang="en-US" sz="1400" b="1" baseline="-25000" dirty="0"/>
+                    <a:rPr lang="en-US" altLang="en-US" sz="1200" b="1" baseline="-25000" dirty="0"/>
                     <a:t>0</a:t>
                   </a:r>
                   <a:r>
-                    <a:rPr lang="en-US" altLang="en-US" sz="1400" b="1" dirty="0"/>
-                    <a:t>        </a:t>
+                    <a:rPr lang="en-US" altLang="en-US" sz="1200" b="1" dirty="0"/>
+                    <a:t>          </a:t>
                   </a:r>
                   <a:r>
-                    <a:rPr lang="en-US" altLang="en-US" sz="1400" b="1" dirty="0">
+                    <a:rPr lang="en-US" altLang="en-US" sz="1200" b="1" dirty="0">
                       <a:sym typeface="+mn-ea"/>
                     </a:rPr>
                     <a:t>u</a:t>
                   </a:r>
                   <a:r>
-                    <a:rPr lang="en-US" altLang="en-US" sz="1400" b="1" baseline="-25000" dirty="0">
+                    <a:rPr lang="en-US" altLang="en-US" sz="1200" b="1" baseline="-25000" dirty="0">
                       <a:sym typeface="+mn-ea"/>
                     </a:rPr>
                     <a:t>1</a:t>
                   </a:r>
                   <a:r>
-                    <a:rPr lang="en-US" altLang="en-US" sz="1400" b="1" dirty="0"/>
+                    <a:rPr lang="en-US" altLang="en-US" sz="1200" b="1" dirty="0"/>
                     <a:t>      </a:t>
                   </a:r>
                   <a:r>
-                    <a:rPr lang="en-US" altLang="en-US" sz="1400" b="1" dirty="0" err="1"/>
+                    <a:rPr lang="en-US" altLang="en-US" sz="1200" b="1" dirty="0" err="1"/>
                     <a:t>u</a:t>
                   </a:r>
                   <a:r>
-                    <a:rPr lang="en-US" altLang="en-US" sz="1400" b="1" baseline="-25000" dirty="0" err="1"/>
+                    <a:rPr lang="en-US" altLang="en-US" sz="1200" b="1" baseline="-25000" dirty="0" err="1"/>
                     <a:t>1</a:t>
                   </a:r>
                   <a:r>
-                    <a:rPr lang="en-US" altLang="en-US" sz="1400" b="1" dirty="0"/>
-                    <a:t>        </a:t>
+                    <a:rPr lang="en-US" altLang="en-US" sz="1200" b="1" dirty="0"/>
+                    <a:t>          </a:t>
                   </a:r>
                   <a:r>
-                    <a:rPr lang="en-US" altLang="en-US" sz="1400" b="1" dirty="0" err="1"/>
+                    <a:rPr lang="en-US" altLang="en-US" sz="1200" b="1" dirty="0" err="1"/>
                     <a:t>u</a:t>
                   </a:r>
                   <a:r>
-                    <a:rPr lang="en-US" altLang="en-US" sz="1400" b="1" baseline="-25000" dirty="0" err="1"/>
+                    <a:rPr lang="en-US" altLang="en-US" sz="1200" b="1" baseline="-25000" dirty="0" err="1"/>
                     <a:t>1</a:t>
                   </a:r>
                   <a:r>
-                    <a:rPr lang="en-US" altLang="en-US" sz="1400" b="1" dirty="0"/>
-                    <a:t>           u</a:t>
+                    <a:rPr lang="en-US" altLang="en-US" sz="1200" b="1" dirty="0"/>
+                    <a:t>              u</a:t>
                   </a:r>
                   <a:r>
-                    <a:rPr lang="en-US" altLang="en-US" sz="1400" b="1" baseline="-25000" dirty="0"/>
+                    <a:rPr lang="en-US" altLang="en-US" sz="1200" b="1" baseline="-25000" dirty="0"/>
                     <a:t>4</a:t>
                   </a:r>
                   <a:r>
-                    <a:rPr lang="en-US" altLang="en-US" sz="1400" b="1" dirty="0"/>
-                    <a:t>     </a:t>
+                    <a:rPr lang="en-US" altLang="en-US" sz="1200" b="1" dirty="0"/>
+                    <a:t>      </a:t>
                   </a:r>
                   <a:r>
-                    <a:rPr lang="en-US" altLang="en-US" sz="1400" b="1" dirty="0" err="1"/>
+                    <a:rPr lang="en-US" altLang="en-US" sz="1200" b="1" dirty="0" err="1"/>
                     <a:t>u</a:t>
                   </a:r>
                   <a:r>
-                    <a:rPr lang="en-US" altLang="en-US" sz="1400" b="1" baseline="-25000" dirty="0" err="1"/>
+                    <a:rPr lang="en-US" altLang="en-US" sz="1200" b="1" baseline="-25000" dirty="0" err="1"/>
                     <a:t>4</a:t>
                   </a:r>
                   <a:r>
-                    <a:rPr lang="en-US" altLang="en-US" sz="1400" b="1" baseline="-25000" dirty="0"/>
-                    <a:t>      </a:t>
+                    <a:rPr lang="en-US" altLang="en-US" sz="1200" b="1" baseline="-25000" dirty="0"/>
+                    <a:t>         </a:t>
                   </a:r>
                   <a:r>
-                    <a:rPr lang="en-US" altLang="en-US" sz="1400" b="1" dirty="0"/>
+                    <a:rPr lang="en-US" altLang="en-US" sz="1200" b="1" dirty="0"/>
                     <a:t>u</a:t>
                   </a:r>
                   <a:r>
-                    <a:rPr lang="en-US" altLang="en-US" sz="1400" b="1" baseline="-25000" dirty="0"/>
+                    <a:rPr lang="en-US" altLang="en-US" sz="1200" b="1" baseline="-25000" dirty="0"/>
                     <a:t>5</a:t>
                   </a:r>
                 </a:p>
@@ -22470,7 +22470,7 @@
                     <a:buSzTx/>
                     <a:buFontTx/>
                   </a:pPr>
-                  <a:endParaRPr lang="en-US">
+                  <a:endParaRPr lang="en-US" sz="1600">
                     <a:sym typeface="+mn-ea"/>
                   </a:endParaRPr>
                 </a:p>
@@ -22528,7 +22528,7 @@
                     <a:buSzTx/>
                     <a:buFontTx/>
                   </a:pPr>
-                  <a:endParaRPr lang="en-US">
+                  <a:endParaRPr lang="en-US" sz="1600">
                     <a:sym typeface="+mn-ea"/>
                   </a:endParaRPr>
                 </a:p>
@@ -22581,7 +22581,7 @@
                     <a:buSzTx/>
                     <a:buFontTx/>
                   </a:pPr>
-                  <a:endParaRPr lang="en-US">
+                  <a:endParaRPr lang="en-US" sz="1600">
                     <a:sym typeface="+mn-ea"/>
                   </a:endParaRPr>
                 </a:p>
@@ -22688,7 +22688,7 @@
                       <a:buSzTx/>
                       <a:buFontTx/>
                     </a:pPr>
-                    <a:endParaRPr lang="en-US">
+                    <a:endParaRPr lang="en-US" sz="1600">
                       <a:sym typeface="+mn-ea"/>
                     </a:endParaRPr>
                   </a:p>
@@ -22794,7 +22794,7 @@
                       <a:buSzTx/>
                       <a:buFontTx/>
                     </a:pPr>
-                    <a:endParaRPr lang="en-US">
+                    <a:endParaRPr lang="en-US" sz="1600">
                       <a:sym typeface="+mn-ea"/>
                     </a:endParaRPr>
                   </a:p>
@@ -22900,7 +22900,7 @@
                       <a:buSzTx/>
                       <a:buFontTx/>
                     </a:pPr>
-                    <a:endParaRPr lang="en-US">
+                    <a:endParaRPr lang="en-US" sz="1600">
                       <a:sym typeface="+mn-ea"/>
                     </a:endParaRPr>
                   </a:p>
@@ -22916,7 +22916,7 @@
               <p:spPr>
                 <a:xfrm>
                   <a:off x="8341" y="6274"/>
-                  <a:ext cx="5117" cy="1115"/>
+                  <a:ext cx="5117" cy="1018"/>
                 </a:xfrm>
                 <a:prstGeom prst="rect">
                   <a:avLst/>
@@ -22931,7 +22931,7 @@
                 <a:p>
                   <a:pPr algn="ctr"/>
                   <a:r>
-                    <a:rPr lang="en-US" altLang="en-US" sz="2000" i="1" dirty="0"/>
+                    <a:rPr lang="en-US" altLang="en-US" i="1" dirty="0"/>
                     <a:t>No control execution &amp; transmission during 0</a:t>
                   </a:r>
                 </a:p>
@@ -22946,7 +22946,7 @@
               <p:spPr>
                 <a:xfrm>
                   <a:off x="1950" y="6274"/>
-                  <a:ext cx="4009" cy="1115"/>
+                  <a:ext cx="4009" cy="1018"/>
                 </a:xfrm>
                 <a:prstGeom prst="rect">
                   <a:avLst/>
@@ -22961,7 +22961,7 @@
                 <a:p>
                   <a:pPr algn="ctr"/>
                   <a:r>
-                    <a:rPr lang="en-US" altLang="en-US" sz="2000" i="1" dirty="0"/>
+                    <a:rPr lang="en-US" altLang="en-US" i="1" dirty="0"/>
                     <a:t>No sensor data reception during 0</a:t>
                   </a:r>
                 </a:p>
@@ -23045,7 +23045,7 @@
                   <a:buSzTx/>
                   <a:buFontTx/>
                 </a:pPr>
-                <a:endParaRPr lang="en-US">
+                <a:endParaRPr lang="en-US" sz="1600">
                   <a:sym typeface="+mn-ea"/>
                 </a:endParaRPr>
               </a:p>
@@ -23098,7 +23098,7 @@
                   <a:buSzTx/>
                   <a:buFontTx/>
                 </a:pPr>
-                <a:endParaRPr lang="en-US">
+                <a:endParaRPr lang="en-US" sz="1600">
                   <a:sym typeface="+mn-ea"/>
                 </a:endParaRPr>
               </a:p>
@@ -23191,14 +23191,14 @@
                   <a:buSzTx/>
                   <a:buFontTx/>
                 </a:pPr>
-                <a:endParaRPr lang="en-US">
+                <a:endParaRPr lang="en-US" sz="1600">
                   <a:sym typeface="+mn-ea"/>
                 </a:endParaRPr>
               </a:p>
             </p:txBody>
           </p:sp>
-          <mc:AlternateContent xmlns:mc="http://schemas.openxmlformats.org/markup-compatibility/2006" xmlns:a14="http://schemas.microsoft.com/office/drawing/2010/main">
-            <mc:Choice Requires="a14">
+          <mc:AlternateContent xmlns:mc="http://schemas.openxmlformats.org/markup-compatibility/2006">
+            <mc:Choice xmlns:a14="http://schemas.microsoft.com/office/drawing/2010/main" Requires="a14">
               <p:sp>
                 <p:nvSpPr>
                   <p:cNvPr id="4" name="Text Box 3"/>
@@ -23208,7 +23208,7 @@
                 <p:spPr>
                   <a:xfrm>
                     <a:off x="2285" y="2104"/>
-                    <a:ext cx="11262" cy="654"/>
+                    <a:ext cx="11262" cy="557"/>
                   </a:xfrm>
                   <a:prstGeom prst="rect">
                     <a:avLst/>
@@ -23228,7 +23228,7 @@
                   <a:p>
                     <a:pPr algn="ctr"/>
                     <a:r>
-                      <a:rPr lang="en-US" altLang="en-US" sz="2400" b="1" i="1" dirty="0">
+                      <a:rPr lang="en-US" altLang="en-US" sz="2000" b="1" i="1" dirty="0">
                         <a:latin typeface="Cambria" panose="02040503050406030204" pitchFamily="18" charset="0"/>
                         <a:ea typeface="Cambria" panose="02040503050406030204" pitchFamily="18" charset="0"/>
                         <a:cs typeface="DejaVu Math TeX Gyre" panose="02000503000000000000" charset="0"/>
@@ -23237,7 +23237,7 @@
                       <a:t>Switching Sequence :</a:t>
                     </a:r>
                     <a:r>
-                      <a:rPr lang="en-US" altLang="en-US" sz="2400" b="1" dirty="0">
+                      <a:rPr lang="en-US" altLang="en-US" sz="2000" b="1" dirty="0">
                         <a:latin typeface="Cambria" panose="02040503050406030204" pitchFamily="18" charset="0"/>
                         <a:ea typeface="Cambria" panose="02040503050406030204" pitchFamily="18" charset="0"/>
                         <a:cs typeface="DejaVu Math TeX Gyre" panose="02000503000000000000" charset="0"/>
@@ -23246,7 +23246,7 @@
                       <a:t> </a:t>
                     </a:r>
                     <a:r>
-                      <a:rPr lang="en-US" altLang="en-US" sz="2400" b="1" i="1" dirty="0">
+                      <a:rPr lang="en-US" altLang="en-US" sz="2000" b="1" i="1" dirty="0">
                         <a:latin typeface="Cambria" panose="02040503050406030204" pitchFamily="18" charset="0"/>
                         <a:ea typeface="Cambria" panose="02040503050406030204" pitchFamily="18" charset="0"/>
                         <a:cs typeface="DejaVu Math TeX Gyre" panose="02000503000000000000" charset="0"/>
@@ -23257,119 +23257,119 @@
                     <a14:m>
                       <m:oMath xmlns:m="http://schemas.openxmlformats.org/officeDocument/2006/math">
                         <m:r>
-                          <a:rPr lang="en-US" altLang="en-US" sz="2400" b="1" i="1" baseline="-25000">
+                          <a:rPr lang="en-US" altLang="en-US" sz="2000" b="1" i="1" baseline="-25000">
                             <a:latin typeface="Cambria Math" panose="02040503050406030204" pitchFamily="18" charset="0"/>
                             <a:cs typeface="DejaVu Math TeX Gyre" panose="02000503000000000000" charset="0"/>
                           </a:rPr>
                           <m:t>𝟏</m:t>
                         </m:r>
                         <m:r>
-                          <a:rPr lang="en-IN" altLang="en-US" sz="2400" b="1" i="1" baseline="-25000" smtClean="0">
+                          <a:rPr lang="en-IN" altLang="en-US" sz="2000" b="1" i="1" baseline="-25000" smtClean="0">
                             <a:latin typeface="Cambria Math" panose="02040503050406030204" pitchFamily="18" charset="0"/>
                             <a:cs typeface="DejaVu Math TeX Gyre" panose="02000503000000000000" charset="0"/>
                           </a:rPr>
                           <m:t>𝒉𝒊</m:t>
                         </m:r>
                         <m:r>
-                          <a:rPr lang="en-US" altLang="en-US" sz="2400" b="1" i="1">
+                          <a:rPr lang="en-US" altLang="en-US" sz="2000" b="1" i="1">
                             <a:latin typeface="Cambria Math" panose="02040503050406030204" pitchFamily="18" charset="0"/>
                             <a:cs typeface="DejaVu Math TeX Gyre" panose="02000503000000000000" charset="0"/>
                           </a:rPr>
                           <m:t>→</m:t>
                         </m:r>
                         <m:r>
-                          <a:rPr lang="en-US" altLang="en-US" sz="2400" b="1" i="1" smtClean="0">
+                          <a:rPr lang="en-US" altLang="en-US" sz="2000" b="1" i="1" smtClean="0">
                             <a:latin typeface="Cambria Math" panose="02040503050406030204" pitchFamily="18" charset="0"/>
                             <a:cs typeface="DejaVu Math TeX Gyre" panose="02000503000000000000" charset="0"/>
                           </a:rPr>
                           <m:t>𝑨</m:t>
                         </m:r>
                         <m:r>
-                          <a:rPr lang="en-US" altLang="en-US" sz="2400" b="1" i="1" baseline="-25000">
+                          <a:rPr lang="en-US" altLang="en-US" sz="2000" b="1" i="1" baseline="-25000">
                             <a:latin typeface="Cambria Math" panose="02040503050406030204" pitchFamily="18" charset="0"/>
                             <a:cs typeface="DejaVu Math TeX Gyre" panose="02000503000000000000" charset="0"/>
                           </a:rPr>
                           <m:t>𝟏</m:t>
                         </m:r>
                         <m:r>
-                          <a:rPr lang="en-US" altLang="en-US" sz="2400" b="1" i="1" baseline="-25000" smtClean="0">
+                          <a:rPr lang="en-US" altLang="en-US" sz="2000" b="1" i="1" baseline="-25000" smtClean="0">
                             <a:latin typeface="Cambria Math" panose="02040503050406030204" pitchFamily="18" charset="0"/>
                             <a:cs typeface="DejaVu Math TeX Gyre" panose="02000503000000000000" charset="0"/>
                           </a:rPr>
                           <m:t>𝟎</m:t>
                         </m:r>
                         <m:r>
-                          <a:rPr lang="en-US" altLang="en-US" sz="2400" b="1" i="1" baseline="-25000">
+                          <a:rPr lang="en-US" altLang="en-US" sz="2000" b="1" i="1" baseline="-25000">
                             <a:latin typeface="Cambria Math" panose="02040503050406030204" pitchFamily="18" charset="0"/>
                             <a:cs typeface="DejaVu Math TeX Gyre" panose="02000503000000000000" charset="0"/>
                           </a:rPr>
                           <m:t>𝟎</m:t>
                         </m:r>
                         <m:r>
-                          <a:rPr lang="en-IN" altLang="en-US" sz="2400" b="1" i="1" baseline="-25000" smtClean="0">
+                          <a:rPr lang="en-IN" altLang="en-US" sz="2000" b="1" i="1" baseline="-25000" smtClean="0">
                             <a:latin typeface="Cambria Math" panose="02040503050406030204" pitchFamily="18" charset="0"/>
                             <a:cs typeface="DejaVu Math TeX Gyre" panose="02000503000000000000" charset="0"/>
                           </a:rPr>
                           <m:t>𝒉𝒊</m:t>
                         </m:r>
                         <m:r>
-                          <a:rPr lang="en-US" altLang="en-US" sz="2400" b="1" i="1">
+                          <a:rPr lang="en-US" altLang="en-US" sz="2000" b="1" i="1">
                             <a:latin typeface="Cambria Math" panose="02040503050406030204" pitchFamily="18" charset="0"/>
                             <a:cs typeface="DejaVu Math TeX Gyre" panose="02000503000000000000" charset="0"/>
                           </a:rPr>
                           <m:t>→</m:t>
                         </m:r>
                         <m:r>
-                          <a:rPr lang="en-US" altLang="en-US" sz="2400" b="1" i="1" smtClean="0">
+                          <a:rPr lang="en-US" altLang="en-US" sz="2000" b="1" i="1" smtClean="0">
                             <a:latin typeface="Cambria Math" panose="02040503050406030204" pitchFamily="18" charset="0"/>
                             <a:cs typeface="DejaVu Math TeX Gyre" panose="02000503000000000000" charset="0"/>
                           </a:rPr>
                           <m:t>𝑨</m:t>
                         </m:r>
                         <m:r>
-                          <a:rPr lang="en-US" altLang="en-US" sz="2400" b="1" i="1" baseline="-25000">
+                          <a:rPr lang="en-US" altLang="en-US" sz="2000" b="1" i="1" baseline="-25000">
                             <a:latin typeface="Cambria Math" panose="02040503050406030204" pitchFamily="18" charset="0"/>
                             <a:cs typeface="DejaVu Math TeX Gyre" panose="02000503000000000000" charset="0"/>
                           </a:rPr>
                           <m:t>𝟏𝟎</m:t>
                         </m:r>
                         <m:r>
-                          <a:rPr lang="en-IN" altLang="en-US" sz="2400" b="1" i="1" baseline="-25000" smtClean="0">
+                          <a:rPr lang="en-IN" altLang="en-US" sz="2000" b="1" i="1" baseline="-25000" smtClean="0">
                             <a:latin typeface="Cambria Math" panose="02040503050406030204" pitchFamily="18" charset="0"/>
                             <a:cs typeface="DejaVu Math TeX Gyre" panose="02000503000000000000" charset="0"/>
                           </a:rPr>
                           <m:t>𝒉𝒋</m:t>
                         </m:r>
                         <m:r>
-                          <a:rPr lang="en-US" altLang="en-US" sz="2400" b="1" i="1">
+                          <a:rPr lang="en-US" altLang="en-US" sz="2000" b="1" i="1">
                             <a:latin typeface="Cambria Math" panose="02040503050406030204" pitchFamily="18" charset="0"/>
                             <a:cs typeface="DejaVu Math TeX Gyre" panose="02000503000000000000" charset="0"/>
                           </a:rPr>
                           <m:t>→</m:t>
                         </m:r>
                         <m:r>
-                          <a:rPr lang="en-US" altLang="en-US" sz="2400" b="1" i="1" smtClean="0">
+                          <a:rPr lang="en-US" altLang="en-US" sz="2000" b="1" i="1" smtClean="0">
                             <a:latin typeface="Cambria Math" panose="02040503050406030204" pitchFamily="18" charset="0"/>
                             <a:cs typeface="DejaVu Math TeX Gyre" panose="02000503000000000000" charset="0"/>
                           </a:rPr>
                           <m:t>𝑨</m:t>
                         </m:r>
                         <m:r>
-                          <a:rPr lang="en-US" altLang="en-US" sz="2400" b="1" i="1" baseline="-25000">
+                          <a:rPr lang="en-US" altLang="en-US" sz="2000" b="1" i="1" baseline="-25000">
                             <a:latin typeface="Cambria Math" panose="02040503050406030204" pitchFamily="18" charset="0"/>
                             <a:cs typeface="DejaVu Math TeX Gyre" panose="02000503000000000000" charset="0"/>
                           </a:rPr>
                           <m:t>𝟏</m:t>
                         </m:r>
                         <m:r>
-                          <a:rPr lang="en-IN" altLang="en-US" sz="2400" b="1" i="1" baseline="-25000" smtClean="0">
+                          <a:rPr lang="en-IN" altLang="en-US" sz="2000" b="1" i="1" baseline="-25000" smtClean="0">
                             <a:latin typeface="Cambria Math" panose="02040503050406030204" pitchFamily="18" charset="0"/>
                             <a:cs typeface="DejaVu Math TeX Gyre" panose="02000503000000000000" charset="0"/>
                           </a:rPr>
                           <m:t>𝒉𝒋</m:t>
                         </m:r>
                         <m:r>
-                          <a:rPr lang="en-US" altLang="en-US" sz="2400" b="1" i="1">
+                          <a:rPr lang="en-US" altLang="en-US" sz="2000" b="1" i="1">
                             <a:latin typeface="Cambria Math" panose="02040503050406030204" pitchFamily="18" charset="0"/>
                             <a:ea typeface="MS Mincho" charset="0"/>
                             <a:cs typeface="Cambria Math" panose="02040503050406030204" pitchFamily="18" charset="0"/>
@@ -23378,7 +23378,7 @@
                         </m:r>
                       </m:oMath>
                     </a14:m>
-                    <a:endParaRPr lang="en-US" altLang="en-US" sz="2400" b="1" i="1" dirty="0">
+                    <a:endParaRPr lang="en-US" altLang="en-US" sz="2000" b="1" i="1" dirty="0">
                       <a:latin typeface="Cambria Math" panose="02040503050406030204" pitchFamily="18" charset="0"/>
                       <a:ea typeface="MS Mincho" charset="0"/>
                       <a:cs typeface="Cambria Math" panose="02040503050406030204" pitchFamily="18" charset="0"/>
@@ -23387,7 +23387,7 @@
                 </p:txBody>
               </p:sp>
             </mc:Choice>
-            <mc:Fallback xmlns="">
+            <mc:Fallback>
               <p:sp>
                 <p:nvSpPr>
                   <p:cNvPr id="4" name="Text Box 3"/>
@@ -23399,7 +23399,7 @@
                 <p:spPr>
                   <a:xfrm>
                     <a:off x="2285" y="2104"/>
-                    <a:ext cx="11262" cy="654"/>
+                    <a:ext cx="11262" cy="557"/>
                   </a:xfrm>
                   <a:prstGeom prst="rect">
                     <a:avLst/>
@@ -23407,7 +23407,7 @@
                   <a:blipFill>
                     <a:blip r:embed="rId2"/>
                     <a:stretch>
-                      <a:fillRect t="-22059" b="-33824"/>
+                      <a:fillRect t="-22414" b="-31034"/>
                     </a:stretch>
                   </a:blipFill>
                 </p:spPr>
@@ -23436,7 +23436,7 @@
           <p:spPr>
             <a:xfrm>
               <a:off x="2997" y="5907"/>
-              <a:ext cx="3720" cy="483"/>
+              <a:ext cx="3720" cy="436"/>
             </a:xfrm>
             <a:prstGeom prst="rect">
               <a:avLst/>
@@ -23451,43 +23451,43 @@
             <a:p>
               <a:pPr algn="l"/>
               <a:r>
-                <a:rPr lang="en-US" altLang="en-US" sz="1400" b="1"/>
+                <a:rPr lang="en-US" altLang="en-US" sz="1200" b="1"/>
                 <a:t>y</a:t>
               </a:r>
               <a:r>
-                <a:rPr lang="en-US" altLang="en-US" sz="1400" b="1" baseline="-25000"/>
+                <a:rPr lang="en-US" altLang="en-US" sz="1200" b="1" baseline="-25000"/>
                 <a:t>7</a:t>
               </a:r>
               <a:r>
-                <a:rPr lang="en-US" altLang="en-US" sz="1400" b="1"/>
+                <a:rPr lang="en-US" altLang="en-US" sz="1200" b="1"/>
                 <a:t>   __</a:t>
               </a:r>
               <a:r>
-                <a:rPr lang="en-US" altLang="en-US" sz="1400" b="1" baseline="-25000"/>
+                <a:rPr lang="en-US" altLang="en-US" sz="1200" b="1" baseline="-25000"/>
                 <a:t>  </a:t>
               </a:r>
               <a:r>
-                <a:rPr lang="en-US" altLang="en-US" sz="1400" b="1"/>
+                <a:rPr lang="en-US" altLang="en-US" sz="1200" b="1"/>
                 <a:t> y</a:t>
               </a:r>
               <a:r>
-                <a:rPr lang="en-US" altLang="en-US" sz="1400" b="1" baseline="-25000"/>
+                <a:rPr lang="en-US" altLang="en-US" sz="1200" b="1" baseline="-25000"/>
                 <a:t>5</a:t>
               </a:r>
               <a:r>
-                <a:rPr lang="en-US" altLang="en-US" sz="1400" b="1"/>
+                <a:rPr lang="en-US" altLang="en-US" sz="1200" b="1"/>
                 <a:t>   __   __   y</a:t>
               </a:r>
               <a:r>
-                <a:rPr lang="en-US" altLang="en-US" sz="1400" b="1" baseline="-25000"/>
+                <a:rPr lang="en-US" altLang="en-US" sz="1200" b="1" baseline="-25000"/>
                 <a:t>2</a:t>
               </a:r>
               <a:r>
-                <a:rPr lang="en-US" altLang="en-US" sz="1400" b="1"/>
+                <a:rPr lang="en-US" altLang="en-US" sz="1200" b="1"/>
                 <a:t>   y</a:t>
               </a:r>
               <a:r>
-                <a:rPr lang="en-US" altLang="en-US" sz="1400" b="1" baseline="-25000"/>
+                <a:rPr lang="en-US" altLang="en-US" sz="1200" b="1" baseline="-25000"/>
                 <a:t>1</a:t>
               </a:r>
             </a:p>
